--- a/Präsentationen/SocialNetwork_BlueCouch_Präsentation_v0.9.pptx
+++ b/Präsentationen/SocialNetwork_BlueCouch_Präsentation_v0.9.pptx
@@ -8,11 +8,13 @@
     <p:sldId id="256" r:id="rId2"/>
     <p:sldId id="257" r:id="rId3"/>
     <p:sldId id="258" r:id="rId4"/>
-    <p:sldId id="259" r:id="rId5"/>
-    <p:sldId id="260" r:id="rId6"/>
-    <p:sldId id="261" r:id="rId7"/>
-    <p:sldId id="262" r:id="rId8"/>
-    <p:sldId id="263" r:id="rId9"/>
+    <p:sldId id="260" r:id="rId5"/>
+    <p:sldId id="259" r:id="rId6"/>
+    <p:sldId id="264" r:id="rId7"/>
+    <p:sldId id="265" r:id="rId8"/>
+    <p:sldId id="261" r:id="rId9"/>
+    <p:sldId id="262" r:id="rId10"/>
+    <p:sldId id="263" r:id="rId11"/>
   </p:sldIdLst>
   <p:sldSz cx="9144000" cy="6858000" type="screen4x3"/>
   <p:notesSz cx="6858000" cy="9144000"/>
@@ -295,7 +297,7 @@
           <a:p>
             <a:fld id="{CE6A918A-9974-BC4D-8B8B-28E514975795}" type="datetimeFigureOut">
               <a:rPr lang="de-DE" smtClean="0"/>
-              <a:t>01.11.15</a:t>
+              <a:t>02.11.15</a:t>
             </a:fld>
             <a:endParaRPr lang="de-DE"/>
           </a:p>
@@ -465,7 +467,7 @@
           <a:p>
             <a:fld id="{CE6A918A-9974-BC4D-8B8B-28E514975795}" type="datetimeFigureOut">
               <a:rPr lang="de-DE" smtClean="0"/>
-              <a:t>01.11.15</a:t>
+              <a:t>02.11.15</a:t>
             </a:fld>
             <a:endParaRPr lang="de-DE"/>
           </a:p>
@@ -645,7 +647,7 @@
           <a:p>
             <a:fld id="{CE6A918A-9974-BC4D-8B8B-28E514975795}" type="datetimeFigureOut">
               <a:rPr lang="de-DE" smtClean="0"/>
-              <a:t>01.11.15</a:t>
+              <a:t>02.11.15</a:t>
             </a:fld>
             <a:endParaRPr lang="de-DE"/>
           </a:p>
@@ -815,7 +817,7 @@
           <a:p>
             <a:fld id="{CE6A918A-9974-BC4D-8B8B-28E514975795}" type="datetimeFigureOut">
               <a:rPr lang="de-DE" smtClean="0"/>
-              <a:t>01.11.15</a:t>
+              <a:t>02.11.15</a:t>
             </a:fld>
             <a:endParaRPr lang="de-DE"/>
           </a:p>
@@ -1061,7 +1063,7 @@
           <a:p>
             <a:fld id="{CE6A918A-9974-BC4D-8B8B-28E514975795}" type="datetimeFigureOut">
               <a:rPr lang="de-DE" smtClean="0"/>
-              <a:t>01.11.15</a:t>
+              <a:t>02.11.15</a:t>
             </a:fld>
             <a:endParaRPr lang="de-DE"/>
           </a:p>
@@ -1349,7 +1351,7 @@
           <a:p>
             <a:fld id="{CE6A918A-9974-BC4D-8B8B-28E514975795}" type="datetimeFigureOut">
               <a:rPr lang="de-DE" smtClean="0"/>
-              <a:t>01.11.15</a:t>
+              <a:t>02.11.15</a:t>
             </a:fld>
             <a:endParaRPr lang="de-DE"/>
           </a:p>
@@ -1771,7 +1773,7 @@
           <a:p>
             <a:fld id="{CE6A918A-9974-BC4D-8B8B-28E514975795}" type="datetimeFigureOut">
               <a:rPr lang="de-DE" smtClean="0"/>
-              <a:t>01.11.15</a:t>
+              <a:t>02.11.15</a:t>
             </a:fld>
             <a:endParaRPr lang="de-DE"/>
           </a:p>
@@ -1889,7 +1891,7 @@
           <a:p>
             <a:fld id="{CE6A918A-9974-BC4D-8B8B-28E514975795}" type="datetimeFigureOut">
               <a:rPr lang="de-DE" smtClean="0"/>
-              <a:t>01.11.15</a:t>
+              <a:t>02.11.15</a:t>
             </a:fld>
             <a:endParaRPr lang="de-DE"/>
           </a:p>
@@ -1984,7 +1986,7 @@
           <a:p>
             <a:fld id="{CE6A918A-9974-BC4D-8B8B-28E514975795}" type="datetimeFigureOut">
               <a:rPr lang="de-DE" smtClean="0"/>
-              <a:t>01.11.15</a:t>
+              <a:t>02.11.15</a:t>
             </a:fld>
             <a:endParaRPr lang="de-DE"/>
           </a:p>
@@ -2261,7 +2263,7 @@
           <a:p>
             <a:fld id="{CE6A918A-9974-BC4D-8B8B-28E514975795}" type="datetimeFigureOut">
               <a:rPr lang="de-DE" smtClean="0"/>
-              <a:t>01.11.15</a:t>
+              <a:t>02.11.15</a:t>
             </a:fld>
             <a:endParaRPr lang="de-DE"/>
           </a:p>
@@ -2514,7 +2516,7 @@
           <a:p>
             <a:fld id="{CE6A918A-9974-BC4D-8B8B-28E514975795}" type="datetimeFigureOut">
               <a:rPr lang="de-DE" smtClean="0"/>
-              <a:t>01.11.15</a:t>
+              <a:t>02.11.15</a:t>
             </a:fld>
             <a:endParaRPr lang="de-DE"/>
           </a:p>
@@ -2727,7 +2729,7 @@
           <a:p>
             <a:fld id="{CE6A918A-9974-BC4D-8B8B-28E514975795}" type="datetimeFigureOut">
               <a:rPr lang="de-DE" smtClean="0"/>
-              <a:t>01.11.15</a:t>
+              <a:t>02.11.15</a:t>
             </a:fld>
             <a:endParaRPr lang="de-DE"/>
           </a:p>
@@ -3227,6 +3229,167 @@
 </p:sld>
 </file>
 
+<file path=ppt/slides/slide10.xml><?xml version="1.0" encoding="utf-8"?>
+<p:sld xmlns:a="http://schemas.openxmlformats.org/drawingml/2006/main" xmlns:r="http://schemas.openxmlformats.org/officeDocument/2006/relationships" xmlns:p="http://schemas.openxmlformats.org/presentationml/2006/main">
+  <p:cSld>
+    <p:spTree>
+      <p:nvGrpSpPr>
+        <p:cNvPr id="1" name=""/>
+        <p:cNvGrpSpPr/>
+        <p:nvPr/>
+      </p:nvGrpSpPr>
+      <p:grpSpPr>
+        <a:xfrm>
+          <a:off x="0" y="0"/>
+          <a:ext cx="0" cy="0"/>
+          <a:chOff x="0" y="0"/>
+          <a:chExt cx="0" cy="0"/>
+        </a:xfrm>
+      </p:grpSpPr>
+      <p:sp>
+        <p:nvSpPr>
+          <p:cNvPr id="2" name="Titel 1"/>
+          <p:cNvSpPr>
+            <a:spLocks noGrp="1"/>
+          </p:cNvSpPr>
+          <p:nvPr>
+            <p:ph type="title"/>
+          </p:nvPr>
+        </p:nvSpPr>
+        <p:spPr>
+          <a:xfrm>
+            <a:off x="457200" y="70248"/>
+            <a:ext cx="8229600" cy="1143000"/>
+          </a:xfrm>
+        </p:spPr>
+        <p:txBody>
+          <a:bodyPr/>
+          <a:lstStyle/>
+          <a:p>
+            <a:r>
+              <a:rPr lang="de-DE" dirty="0" smtClean="0"/>
+              <a:t>Forscher</a:t>
+            </a:r>
+            <a:endParaRPr lang="de-DE" dirty="0"/>
+          </a:p>
+        </p:txBody>
+      </p:sp>
+      <p:sp>
+        <p:nvSpPr>
+          <p:cNvPr id="3" name="Inhaltsplatzhalter 2"/>
+          <p:cNvSpPr>
+            <a:spLocks noGrp="1"/>
+          </p:cNvSpPr>
+          <p:nvPr>
+            <p:ph idx="1"/>
+          </p:nvPr>
+        </p:nvSpPr>
+        <p:spPr>
+          <a:xfrm>
+            <a:off x="671520" y="4058593"/>
+            <a:ext cx="8015279" cy="2067570"/>
+          </a:xfrm>
+        </p:spPr>
+        <p:txBody>
+          <a:bodyPr>
+            <a:normAutofit fontScale="62500" lnSpcReduction="20000"/>
+          </a:bodyPr>
+          <a:lstStyle/>
+          <a:p>
+            <a:r>
+              <a:rPr lang="de-DE" dirty="0" err="1"/>
+              <a:t>Anzahl_Nachrichten_Durchschnitt</a:t>
+            </a:r>
+            <a:r>
+              <a:rPr lang="de-DE" dirty="0"/>
+              <a:t> ist durchschnittliche Anzahl an Nachrichten</a:t>
+            </a:r>
+          </a:p>
+          <a:p>
+            <a:r>
+              <a:rPr lang="de-DE" dirty="0" err="1"/>
+              <a:t>Anzahl_Nachrichten_pro_Zeitspanne</a:t>
+            </a:r>
+            <a:r>
+              <a:rPr lang="de-DE" dirty="0"/>
+              <a:t> sind die Anzahl an Nachrichten pro </a:t>
+            </a:r>
+            <a:r>
+              <a:rPr lang="de-DE" dirty="0" smtClean="0"/>
+              <a:t>Tag</a:t>
+            </a:r>
+            <a:endParaRPr lang="de-DE" dirty="0" smtClean="0"/>
+          </a:p>
+          <a:p>
+            <a:r>
+              <a:rPr lang="de-DE" dirty="0" err="1" smtClean="0"/>
+              <a:t>Anzahl_aktueller_Sperren</a:t>
+            </a:r>
+            <a:r>
+              <a:rPr lang="de-DE" dirty="0" smtClean="0"/>
+              <a:t> </a:t>
+            </a:r>
+            <a:r>
+              <a:rPr lang="de-DE" dirty="0" smtClean="0"/>
+              <a:t>Anzahl an aktuell gesperrten Benutzer</a:t>
+            </a:r>
+          </a:p>
+          <a:p>
+            <a:r>
+              <a:rPr lang="de-DE" dirty="0" err="1" smtClean="0"/>
+              <a:t>Anzahl_Sperren_gesamt</a:t>
+            </a:r>
+            <a:r>
+              <a:rPr lang="de-DE" dirty="0" smtClean="0"/>
+              <a:t> Anzahl an gesperrten Benutzer von Anfang an</a:t>
+            </a:r>
+            <a:endParaRPr lang="de-DE" dirty="0"/>
+          </a:p>
+        </p:txBody>
+      </p:sp>
+      <p:pic>
+        <p:nvPicPr>
+          <p:cNvPr id="4" name="Bild 3" descr="Forscher2.jpg"/>
+          <p:cNvPicPr>
+            <a:picLocks noChangeAspect="1"/>
+          </p:cNvPicPr>
+          <p:nvPr/>
+        </p:nvPicPr>
+        <p:blipFill>
+          <a:blip r:embed="rId2">
+            <a:extLst>
+              <a:ext uri="{28A0092B-C50C-407E-A947-70E740481C1C}">
+                <a14:useLocalDpi xmlns:a14="http://schemas.microsoft.com/office/drawing/2010/main" val="0"/>
+              </a:ext>
+            </a:extLst>
+          </a:blip>
+          <a:stretch>
+            <a:fillRect/>
+          </a:stretch>
+        </p:blipFill>
+        <p:spPr>
+          <a:xfrm>
+            <a:off x="671520" y="934393"/>
+            <a:ext cx="5651500" cy="3124200"/>
+          </a:xfrm>
+          <a:prstGeom prst="rect">
+            <a:avLst/>
+          </a:prstGeom>
+        </p:spPr>
+      </p:pic>
+    </p:spTree>
+    <p:extLst>
+      <p:ext uri="{BB962C8B-B14F-4D97-AF65-F5344CB8AC3E}">
+        <p14:creationId xmlns:p14="http://schemas.microsoft.com/office/powerpoint/2010/main" val="4283593625"/>
+      </p:ext>
+    </p:extLst>
+  </p:cSld>
+  <p:clrMapOvr>
+    <a:masterClrMapping/>
+  </p:clrMapOvr>
+</p:sld>
+</file>
+
 <file path=ppt/slides/slide2.xml><?xml version="1.0" encoding="utf-8"?>
 <p:sld xmlns:a="http://schemas.openxmlformats.org/drawingml/2006/main" xmlns:r="http://schemas.openxmlformats.org/officeDocument/2006/relationships" xmlns:p="http://schemas.openxmlformats.org/presentationml/2006/main">
   <p:cSld>
@@ -3307,6 +3470,36 @@
           </a:p>
         </p:txBody>
       </p:sp>
+      <p:pic>
+        <p:nvPicPr>
+          <p:cNvPr id="4" name="Bild 3" descr="PowerPoint.jpg"/>
+          <p:cNvPicPr>
+            <a:picLocks noChangeAspect="1"/>
+          </p:cNvPicPr>
+          <p:nvPr/>
+        </p:nvPicPr>
+        <p:blipFill>
+          <a:blip r:embed="rId2">
+            <a:extLst>
+              <a:ext uri="{28A0092B-C50C-407E-A947-70E740481C1C}">
+                <a14:useLocalDpi xmlns:a14="http://schemas.microsoft.com/office/drawing/2010/main" val="0"/>
+              </a:ext>
+            </a:extLst>
+          </a:blip>
+          <a:stretch>
+            <a:fillRect/>
+          </a:stretch>
+        </p:blipFill>
+        <p:spPr>
+          <a:xfrm>
+            <a:off x="195976" y="1775547"/>
+            <a:ext cx="4081629" cy="2954612"/>
+          </a:xfrm>
+          <a:prstGeom prst="rect">
+            <a:avLst/>
+          </a:prstGeom>
+        </p:spPr>
+      </p:pic>
     </p:spTree>
     <p:extLst>
       <p:ext uri="{BB962C8B-B14F-4D97-AF65-F5344CB8AC3E}">
@@ -3370,9 +3563,16 @@
             <p:ph idx="1"/>
           </p:nvPr>
         </p:nvSpPr>
-        <p:spPr/>
-        <p:txBody>
-          <a:bodyPr/>
+        <p:spPr>
+          <a:xfrm>
+            <a:off x="4291894" y="1600200"/>
+            <a:ext cx="4394905" cy="4525963"/>
+          </a:xfrm>
+        </p:spPr>
+        <p:txBody>
+          <a:bodyPr>
+            <a:normAutofit fontScale="85000" lnSpcReduction="10000"/>
+          </a:bodyPr>
           <a:lstStyle/>
           <a:p>
             <a:r>
@@ -3389,7 +3589,15 @@
           <a:p>
             <a:r>
               <a:rPr lang="de-DE" dirty="0" smtClean="0"/>
-              <a:t>Beiträge suche, nach Inhalt oder Titel</a:t>
+              <a:t>Beiträge </a:t>
+            </a:r>
+            <a:r>
+              <a:rPr lang="de-DE" dirty="0" smtClean="0"/>
+              <a:t>suchen, </a:t>
+            </a:r>
+            <a:r>
+              <a:rPr lang="de-DE" dirty="0" smtClean="0"/>
+              <a:t>nach Inhalt oder Titel</a:t>
             </a:r>
           </a:p>
           <a:p>
@@ -3401,6 +3609,36 @@
           </a:p>
         </p:txBody>
       </p:sp>
+      <p:pic>
+        <p:nvPicPr>
+          <p:cNvPr id="4" name="Bild 3" descr="Anwender.jpg"/>
+          <p:cNvPicPr>
+            <a:picLocks noChangeAspect="1"/>
+          </p:cNvPicPr>
+          <p:nvPr/>
+        </p:nvPicPr>
+        <p:blipFill>
+          <a:blip r:embed="rId2">
+            <a:extLst>
+              <a:ext uri="{28A0092B-C50C-407E-A947-70E740481C1C}">
+                <a14:useLocalDpi xmlns:a14="http://schemas.microsoft.com/office/drawing/2010/main" val="0"/>
+              </a:ext>
+            </a:extLst>
+          </a:blip>
+          <a:stretch>
+            <a:fillRect/>
+          </a:stretch>
+        </p:blipFill>
+        <p:spPr>
+          <a:xfrm>
+            <a:off x="457200" y="1775391"/>
+            <a:ext cx="3753114" cy="3786926"/>
+          </a:xfrm>
+          <a:prstGeom prst="rect">
+            <a:avLst/>
+          </a:prstGeom>
+        </p:spPr>
+      </p:pic>
     </p:spTree>
     <p:extLst>
       <p:ext uri="{BB962C8B-B14F-4D97-AF65-F5344CB8AC3E}">
@@ -3464,81 +3702,85 @@
             <p:ph idx="1"/>
           </p:nvPr>
         </p:nvSpPr>
-        <p:spPr/>
+        <p:spPr>
+          <a:xfrm>
+            <a:off x="457200" y="3764401"/>
+            <a:ext cx="8229600" cy="2361762"/>
+          </a:xfrm>
+        </p:spPr>
         <p:txBody>
           <a:bodyPr>
-            <a:normAutofit lnSpcReduction="10000"/>
+            <a:normAutofit fontScale="92500" lnSpcReduction="10000"/>
           </a:bodyPr>
           <a:lstStyle/>
           <a:p>
             <a:r>
               <a:rPr lang="de-DE" dirty="0" smtClean="0"/>
-              <a:t>Kann alles wie der Anwender</a:t>
+              <a:t>Freundschaftsbeziehung hinzufügen</a:t>
             </a:r>
           </a:p>
           <a:p>
             <a:r>
               <a:rPr lang="de-DE" dirty="0" smtClean="0"/>
-              <a:t>Profil bearbeiten:</a:t>
+              <a:t>Freundschaftsbeziehung löschen</a:t>
+            </a:r>
+          </a:p>
+          <a:p>
+            <a:r>
+              <a:rPr lang="de-DE" dirty="0" smtClean="0"/>
+              <a:t>Freundschaftsbeziehung:</a:t>
             </a:r>
           </a:p>
           <a:p>
             <a:pPr lvl="1"/>
             <a:r>
               <a:rPr lang="de-DE" dirty="0" smtClean="0"/>
-              <a:t>Benutzerbild ändern</a:t>
-            </a:r>
-          </a:p>
-          <a:p>
-            <a:pPr lvl="1"/>
+              <a:t>Freunde== Recht </a:t>
+            </a:r>
             <a:r>
               <a:rPr lang="de-DE" dirty="0" smtClean="0"/>
-              <a:t>Kontaktinformation(Email, Telefonnummer,  Wohnort, Namen) ändern</a:t>
-            </a:r>
-          </a:p>
-          <a:p>
-            <a:pPr lvl="1"/>
-            <a:r>
-              <a:rPr lang="de-DE" dirty="0" smtClean="0"/>
-              <a:t>Persönliche Info(Interessen, Hobby) ändern</a:t>
-            </a:r>
+              <a:t>Pinnwand und Kontaktinformation zu sehen</a:t>
+            </a:r>
+          </a:p>
+          <a:p>
             <a:endParaRPr lang="de-DE" dirty="0"/>
           </a:p>
-          <a:p>
-            <a:pPr marL="514350" indent="-457200"/>
-            <a:r>
-              <a:rPr lang="de-DE" dirty="0" smtClean="0"/>
-              <a:t>Pinnwand bearbeiten:</a:t>
-            </a:r>
-          </a:p>
-          <a:p>
-            <a:pPr marL="914400" lvl="1" indent="-457200"/>
-            <a:r>
-              <a:rPr lang="de-DE" dirty="0" smtClean="0"/>
-              <a:t>Beiträge hinzufügen, {echte </a:t>
-            </a:r>
-            <a:r>
-              <a:rPr lang="de-DE" dirty="0" err="1" smtClean="0"/>
-              <a:t>Facebookeinträge</a:t>
-            </a:r>
-            <a:r>
-              <a:rPr lang="de-DE" dirty="0" smtClean="0"/>
-              <a:t>}</a:t>
-            </a:r>
-          </a:p>
-          <a:p>
-            <a:pPr marL="914400" lvl="1" indent="-457200"/>
-            <a:r>
-              <a:rPr lang="de-DE" dirty="0" smtClean="0"/>
-              <a:t>Beiträge löschen</a:t>
-            </a:r>
-          </a:p>
-        </p:txBody>
-      </p:sp>
+        </p:txBody>
+      </p:sp>
+      <p:pic>
+        <p:nvPicPr>
+          <p:cNvPr id="4" name="Bild 3" descr="Freundschaftsbez.jpg"/>
+          <p:cNvPicPr>
+            <a:picLocks noChangeAspect="1"/>
+          </p:cNvPicPr>
+          <p:nvPr/>
+        </p:nvPicPr>
+        <p:blipFill>
+          <a:blip r:embed="rId2">
+            <a:extLst>
+              <a:ext uri="{28A0092B-C50C-407E-A947-70E740481C1C}">
+                <a14:useLocalDpi xmlns:a14="http://schemas.microsoft.com/office/drawing/2010/main" val="0"/>
+              </a:ext>
+            </a:extLst>
+          </a:blip>
+          <a:stretch>
+            <a:fillRect/>
+          </a:stretch>
+        </p:blipFill>
+        <p:spPr>
+          <a:xfrm>
+            <a:off x="738599" y="1417637"/>
+            <a:ext cx="5640851" cy="2399165"/>
+          </a:xfrm>
+          <a:prstGeom prst="rect">
+            <a:avLst/>
+          </a:prstGeom>
+        </p:spPr>
+      </p:pic>
     </p:spTree>
     <p:extLst>
       <p:ext uri="{BB962C8B-B14F-4D97-AF65-F5344CB8AC3E}">
-        <p14:creationId xmlns:p14="http://schemas.microsoft.com/office/powerpoint/2010/main" val="2429545770"/>
+        <p14:creationId xmlns:p14="http://schemas.microsoft.com/office/powerpoint/2010/main" val="3431214496"/>
       </p:ext>
     </p:extLst>
   </p:cSld>
@@ -3598,51 +3840,98 @@
             <p:ph idx="1"/>
           </p:nvPr>
         </p:nvSpPr>
-        <p:spPr/>
-        <p:txBody>
-          <a:bodyPr/>
+        <p:spPr>
+          <a:xfrm>
+            <a:off x="715316" y="4224804"/>
+            <a:ext cx="7971483" cy="2169669"/>
+          </a:xfrm>
+        </p:spPr>
+        <p:txBody>
+          <a:bodyPr>
+            <a:normAutofit fontScale="77500" lnSpcReduction="20000"/>
+          </a:bodyPr>
           <a:lstStyle/>
           <a:p>
             <a:r>
               <a:rPr lang="de-DE" dirty="0" smtClean="0"/>
-              <a:t>Freundschaftsbeziehung hinzufügen</a:t>
+              <a:t>Kann alles wie der Anwender</a:t>
             </a:r>
           </a:p>
           <a:p>
             <a:r>
               <a:rPr lang="de-DE" dirty="0" smtClean="0"/>
-              <a:t>Freundschaftsbeziehung löschen</a:t>
-            </a:r>
-          </a:p>
-          <a:p>
+              <a:t>Profil bearbeiten:</a:t>
+            </a:r>
+          </a:p>
+          <a:p>
+            <a:pPr lvl="1"/>
             <a:r>
               <a:rPr lang="de-DE" dirty="0" smtClean="0"/>
-              <a:t>Freundschaftsbeziehung:</a:t>
+              <a:t>Benutzerbild </a:t>
+            </a:r>
+            <a:r>
+              <a:rPr lang="de-DE" dirty="0" smtClean="0"/>
+              <a:t>ändern</a:t>
             </a:r>
           </a:p>
           <a:p>
             <a:pPr lvl="1"/>
             <a:r>
               <a:rPr lang="de-DE" dirty="0" smtClean="0"/>
-              <a:t>Freunde</a:t>
+              <a:t>Kontaktinformation(Email, Telefonnummer,  Wohnort, Namen) ändern</a:t>
             </a:r>
           </a:p>
           <a:p>
             <a:pPr lvl="1"/>
             <a:r>
               <a:rPr lang="de-DE" dirty="0" smtClean="0"/>
-              <a:t>Recht Pinnwand und Kontaktinformation zu sehen</a:t>
-            </a:r>
-          </a:p>
-          <a:p>
-            <a:endParaRPr lang="de-DE" dirty="0"/>
-          </a:p>
-        </p:txBody>
-      </p:sp>
+              <a:t>Persönliche </a:t>
+            </a:r>
+            <a:r>
+              <a:rPr lang="de-DE" dirty="0" smtClean="0"/>
+              <a:t>Info(Interessen, Hobby) </a:t>
+            </a:r>
+            <a:r>
+              <a:rPr lang="de-DE" dirty="0" smtClean="0"/>
+              <a:t>ändern</a:t>
+            </a:r>
+          </a:p>
+        </p:txBody>
+      </p:sp>
+      <p:pic>
+        <p:nvPicPr>
+          <p:cNvPr id="4" name="Bild 3" descr="Profilbearbeiten.jpg"/>
+          <p:cNvPicPr>
+            <a:picLocks noChangeAspect="1"/>
+          </p:cNvPicPr>
+          <p:nvPr/>
+        </p:nvPicPr>
+        <p:blipFill>
+          <a:blip r:embed="rId2">
+            <a:extLst>
+              <a:ext uri="{28A0092B-C50C-407E-A947-70E740481C1C}">
+                <a14:useLocalDpi xmlns:a14="http://schemas.microsoft.com/office/drawing/2010/main" val="0"/>
+              </a:ext>
+            </a:extLst>
+          </a:blip>
+          <a:stretch>
+            <a:fillRect/>
+          </a:stretch>
+        </p:blipFill>
+        <p:spPr>
+          <a:xfrm>
+            <a:off x="1416034" y="1133122"/>
+            <a:ext cx="6291860" cy="2961678"/>
+          </a:xfrm>
+          <a:prstGeom prst="rect">
+            <a:avLst/>
+          </a:prstGeom>
+        </p:spPr>
+      </p:pic>
     </p:spTree>
     <p:extLst>
       <p:ext uri="{BB962C8B-B14F-4D97-AF65-F5344CB8AC3E}">
-        <p14:creationId xmlns:p14="http://schemas.microsoft.com/office/powerpoint/2010/main" val="3431214496"/>
+        <p14:creationId xmlns:p14="http://schemas.microsoft.com/office/powerpoint/2010/main" val="2429545770"/>
       </p:ext>
     </p:extLst>
   </p:cSld>
@@ -3686,7 +3975,7 @@
           <a:p>
             <a:r>
               <a:rPr lang="de-DE" dirty="0" smtClean="0"/>
-              <a:t>Administrator</a:t>
+              <a:t>Benutzer</a:t>
             </a:r>
             <a:endParaRPr lang="de-DE" dirty="0"/>
           </a:p>
@@ -3702,43 +3991,78 @@
             <p:ph idx="1"/>
           </p:nvPr>
         </p:nvSpPr>
-        <p:spPr/>
-        <p:txBody>
-          <a:bodyPr/>
-          <a:lstStyle/>
-          <a:p>
+        <p:spPr>
+          <a:xfrm>
+            <a:off x="4583860" y="1600200"/>
+            <a:ext cx="4102939" cy="4525963"/>
+          </a:xfrm>
+        </p:spPr>
+        <p:txBody>
+          <a:bodyPr/>
+          <a:lstStyle/>
+          <a:p>
+            <a:pPr marL="514350" indent="-457200"/>
+            <a:r>
+              <a:rPr lang="de-DE" dirty="0"/>
+              <a:t>Pinnwand bearbeiten:</a:t>
+            </a:r>
+          </a:p>
+          <a:p>
+            <a:pPr marL="914400" lvl="1" indent="-457200"/>
+            <a:r>
+              <a:rPr lang="de-DE" dirty="0"/>
+              <a:t>Beiträge </a:t>
+            </a:r>
+            <a:r>
+              <a:rPr lang="de-DE" dirty="0" smtClean="0"/>
+              <a:t>hinzufügen</a:t>
+            </a:r>
+            <a:endParaRPr lang="de-DE" dirty="0"/>
+          </a:p>
+          <a:p>
+            <a:pPr marL="914400" lvl="1" indent="-457200"/>
             <a:r>
               <a:rPr lang="de-DE" dirty="0" smtClean="0"/>
               <a:t>Beiträge löschen</a:t>
             </a:r>
-          </a:p>
-          <a:p>
-            <a:r>
-              <a:rPr lang="de-DE" dirty="0" smtClean="0"/>
-              <a:t>Benutzer sperren:</a:t>
-            </a:r>
-          </a:p>
-          <a:p>
-            <a:pPr lvl="1"/>
-            <a:r>
-              <a:rPr lang="de-DE" dirty="0" smtClean="0"/>
-              <a:t>Über bestimmte Zeitspanne</a:t>
-            </a:r>
-          </a:p>
-          <a:p>
-            <a:pPr lvl="1"/>
-            <a:r>
-              <a:rPr lang="de-DE" dirty="0" smtClean="0"/>
-              <a:t>Dauerhaft</a:t>
-            </a:r>
             <a:endParaRPr lang="de-DE" dirty="0"/>
           </a:p>
         </p:txBody>
       </p:sp>
+      <p:pic>
+        <p:nvPicPr>
+          <p:cNvPr id="4" name="Bild 3" descr="Pinnwand bearbeiten.jpg"/>
+          <p:cNvPicPr>
+            <a:picLocks noChangeAspect="1"/>
+          </p:cNvPicPr>
+          <p:nvPr/>
+        </p:nvPicPr>
+        <p:blipFill>
+          <a:blip r:embed="rId2">
+            <a:extLst>
+              <a:ext uri="{28A0092B-C50C-407E-A947-70E740481C1C}">
+                <a14:useLocalDpi xmlns:a14="http://schemas.microsoft.com/office/drawing/2010/main" val="0"/>
+              </a:ext>
+            </a:extLst>
+          </a:blip>
+          <a:stretch>
+            <a:fillRect/>
+          </a:stretch>
+        </p:blipFill>
+        <p:spPr>
+          <a:xfrm>
+            <a:off x="204375" y="1416742"/>
+            <a:ext cx="4510871" cy="4104532"/>
+          </a:xfrm>
+          <a:prstGeom prst="rect">
+            <a:avLst/>
+          </a:prstGeom>
+        </p:spPr>
+      </p:pic>
     </p:spTree>
     <p:extLst>
       <p:ext uri="{BB962C8B-B14F-4D97-AF65-F5344CB8AC3E}">
-        <p14:creationId xmlns:p14="http://schemas.microsoft.com/office/powerpoint/2010/main" val="2694916847"/>
+        <p14:creationId xmlns:p14="http://schemas.microsoft.com/office/powerpoint/2010/main" val="3396814754"/>
       </p:ext>
     </p:extLst>
   </p:cSld>
@@ -3765,106 +4089,40 @@
           <a:chExt cx="0" cy="0"/>
         </a:xfrm>
       </p:grpSpPr>
-      <p:sp>
-        <p:nvSpPr>
-          <p:cNvPr id="2" name="Titel 1"/>
-          <p:cNvSpPr>
-            <a:spLocks noGrp="1"/>
-          </p:cNvSpPr>
-          <p:nvPr>
-            <p:ph type="title"/>
-          </p:nvPr>
-        </p:nvSpPr>
-        <p:spPr/>
-        <p:txBody>
-          <a:bodyPr/>
-          <a:lstStyle/>
-          <a:p>
-            <a:r>
-              <a:rPr lang="de-DE" dirty="0" smtClean="0"/>
-              <a:t>Forscher</a:t>
-            </a:r>
-            <a:endParaRPr lang="de-DE" dirty="0"/>
-          </a:p>
-        </p:txBody>
-      </p:sp>
-      <p:sp>
-        <p:nvSpPr>
-          <p:cNvPr id="3" name="Inhaltsplatzhalter 2"/>
-          <p:cNvSpPr>
-            <a:spLocks noGrp="1"/>
-          </p:cNvSpPr>
-          <p:nvPr>
-            <p:ph idx="1"/>
-          </p:nvPr>
-        </p:nvSpPr>
-        <p:spPr/>
-        <p:txBody>
-          <a:bodyPr>
-            <a:normAutofit fontScale="92500" lnSpcReduction="10000"/>
-          </a:bodyPr>
-          <a:lstStyle/>
-          <a:p>
-            <a:r>
-              <a:rPr lang="de-DE" dirty="0" smtClean="0"/>
-              <a:t>Immer für alle Benutzer</a:t>
-            </a:r>
-          </a:p>
-          <a:p>
-            <a:r>
-              <a:rPr lang="de-DE" dirty="0" err="1" smtClean="0"/>
-              <a:t>Anzahl_Nachrichten_Durchschnitt</a:t>
-            </a:r>
-            <a:r>
-              <a:rPr lang="de-DE" dirty="0" smtClean="0"/>
-              <a:t> ist durchschnittliche Anzahl an Nachrichten</a:t>
-            </a:r>
-          </a:p>
-          <a:p>
-            <a:r>
-              <a:rPr lang="de-DE" dirty="0" err="1" smtClean="0"/>
-              <a:t>Anzahl_Freundschaftsbeziehung</a:t>
-            </a:r>
-            <a:endParaRPr lang="de-DE" dirty="0" smtClean="0"/>
-          </a:p>
-          <a:p>
-            <a:r>
-              <a:rPr lang="de-DE" dirty="0" err="1" smtClean="0"/>
-              <a:t>Anzahl_Nachrichten_pro_Zeitspanne</a:t>
-            </a:r>
-            <a:r>
-              <a:rPr lang="de-DE" dirty="0" smtClean="0"/>
-              <a:t> sind die Anzahl an Nachrichten pro Tag</a:t>
-            </a:r>
-          </a:p>
-          <a:p>
-            <a:r>
-              <a:rPr lang="de-DE" dirty="0" err="1" smtClean="0"/>
-              <a:t>Anzahl_Freunde_Durchschnitt</a:t>
-            </a:r>
-            <a:endParaRPr lang="de-DE" dirty="0" smtClean="0"/>
-          </a:p>
-          <a:p>
-            <a:r>
-              <a:rPr lang="de-DE" dirty="0" err="1" smtClean="0"/>
-              <a:t>Anzahl_Freunde_pro_Zeitspanne</a:t>
-            </a:r>
-            <a:r>
-              <a:rPr lang="de-DE" dirty="0"/>
-              <a:t> </a:t>
-            </a:r>
-            <a:r>
-              <a:rPr lang="de-DE" dirty="0" smtClean="0"/>
-              <a:t>sind wie viel Freundschaftsbeziehung pro Tag</a:t>
-            </a:r>
-            <a:endParaRPr lang="de-DE" dirty="0"/>
-          </a:p>
-        </p:txBody>
-      </p:sp>
+      <p:pic>
+        <p:nvPicPr>
+          <p:cNvPr id="5" name="Bild 4" descr="Pinnwandpost.tiff"/>
+          <p:cNvPicPr>
+            <a:picLocks noChangeAspect="1"/>
+          </p:cNvPicPr>
+          <p:nvPr/>
+        </p:nvPicPr>
+        <p:blipFill>
+          <a:blip r:embed="rId2">
+            <a:extLst>
+              <a:ext uri="{28A0092B-C50C-407E-A947-70E740481C1C}">
+                <a14:useLocalDpi xmlns:a14="http://schemas.microsoft.com/office/drawing/2010/main" val="0"/>
+              </a:ext>
+            </a:extLst>
+          </a:blip>
+          <a:stretch>
+            <a:fillRect/>
+          </a:stretch>
+        </p:blipFill>
+        <p:spPr>
+          <a:xfrm>
+            <a:off x="1683456" y="0"/>
+            <a:ext cx="6146970" cy="6858000"/>
+          </a:xfrm>
+          <a:prstGeom prst="rect">
+            <a:avLst/>
+          </a:prstGeom>
+        </p:spPr>
+      </p:pic>
     </p:spTree>
     <p:extLst>
       <p:ext uri="{BB962C8B-B14F-4D97-AF65-F5344CB8AC3E}">
-        <p14:creationId xmlns:p14="http://schemas.microsoft.com/office/powerpoint/2010/main" val="2234414159"/>
+        <p14:creationId xmlns:p14="http://schemas.microsoft.com/office/powerpoint/2010/main" val="2132022251"/>
       </p:ext>
     </p:extLst>
   </p:cSld>
@@ -3908,7 +4166,7 @@
           <a:p>
             <a:r>
               <a:rPr lang="de-DE" dirty="0" smtClean="0"/>
-              <a:t>Forscher</a:t>
+              <a:t>Administrator</a:t>
             </a:r>
             <a:endParaRPr lang="de-DE" dirty="0"/>
           </a:p>
@@ -3924,37 +4182,225 @@
             <p:ph idx="1"/>
           </p:nvPr>
         </p:nvSpPr>
-        <p:spPr/>
-        <p:txBody>
-          <a:bodyPr/>
-          <a:lstStyle/>
-          <a:p>
-            <a:r>
-              <a:rPr lang="de-DE" dirty="0" err="1" smtClean="0"/>
-              <a:t>Anzahl_aktueller_Sperren</a:t>
-            </a:r>
+        <p:spPr>
+          <a:xfrm>
+            <a:off x="5284578" y="1417638"/>
+            <a:ext cx="3402221" cy="4708525"/>
+          </a:xfrm>
+        </p:spPr>
+        <p:txBody>
+          <a:bodyPr>
+            <a:normAutofit/>
+          </a:bodyPr>
+          <a:lstStyle/>
+          <a:p>
             <a:r>
               <a:rPr lang="de-DE" dirty="0" smtClean="0"/>
-              <a:t> Anzahl an aktuell gesperrten Benutzer</a:t>
-            </a:r>
-          </a:p>
-          <a:p>
-            <a:r>
-              <a:rPr lang="de-DE" dirty="0" err="1" smtClean="0"/>
-              <a:t>Anzahl_Sperren_gesamt</a:t>
-            </a:r>
+              <a:t>Beiträge löschen</a:t>
+            </a:r>
+          </a:p>
+          <a:p>
             <a:r>
               <a:rPr lang="de-DE" dirty="0" smtClean="0"/>
-              <a:t> Anzahl an gesperrten Benutzer von Anfang an</a:t>
+              <a:t>Benutzer sperren:</a:t>
+            </a:r>
+          </a:p>
+          <a:p>
+            <a:pPr lvl="1"/>
+            <a:r>
+              <a:rPr lang="de-DE" dirty="0" smtClean="0"/>
+              <a:t>Über bestimmte Zeitspanne</a:t>
+            </a:r>
+          </a:p>
+          <a:p>
+            <a:pPr lvl="1"/>
+            <a:r>
+              <a:rPr lang="de-DE" dirty="0" smtClean="0"/>
+              <a:t>Dauerhaft</a:t>
             </a:r>
             <a:endParaRPr lang="de-DE" dirty="0"/>
           </a:p>
         </p:txBody>
       </p:sp>
+      <p:pic>
+        <p:nvPicPr>
+          <p:cNvPr id="5" name="Bild 4" descr="Administrator.jpg"/>
+          <p:cNvPicPr>
+            <a:picLocks noChangeAspect="1"/>
+          </p:cNvPicPr>
+          <p:nvPr/>
+        </p:nvPicPr>
+        <p:blipFill>
+          <a:blip r:embed="rId2">
+            <a:extLst>
+              <a:ext uri="{28A0092B-C50C-407E-A947-70E740481C1C}">
+                <a14:useLocalDpi xmlns:a14="http://schemas.microsoft.com/office/drawing/2010/main" val="0"/>
+              </a:ext>
+            </a:extLst>
+          </a:blip>
+          <a:stretch>
+            <a:fillRect/>
+          </a:stretch>
+        </p:blipFill>
+        <p:spPr>
+          <a:xfrm>
+            <a:off x="472871" y="1683726"/>
+            <a:ext cx="4811707" cy="3309219"/>
+          </a:xfrm>
+          <a:prstGeom prst="rect">
+            <a:avLst/>
+          </a:prstGeom>
+        </p:spPr>
+      </p:pic>
     </p:spTree>
     <p:extLst>
       <p:ext uri="{BB962C8B-B14F-4D97-AF65-F5344CB8AC3E}">
-        <p14:creationId xmlns:p14="http://schemas.microsoft.com/office/powerpoint/2010/main" val="4283593625"/>
+        <p14:creationId xmlns:p14="http://schemas.microsoft.com/office/powerpoint/2010/main" val="2694916847"/>
+      </p:ext>
+    </p:extLst>
+  </p:cSld>
+  <p:clrMapOvr>
+    <a:masterClrMapping/>
+  </p:clrMapOvr>
+</p:sld>
+</file>
+
+<file path=ppt/slides/slide9.xml><?xml version="1.0" encoding="utf-8"?>
+<p:sld xmlns:a="http://schemas.openxmlformats.org/drawingml/2006/main" xmlns:r="http://schemas.openxmlformats.org/officeDocument/2006/relationships" xmlns:p="http://schemas.openxmlformats.org/presentationml/2006/main">
+  <p:cSld>
+    <p:spTree>
+      <p:nvGrpSpPr>
+        <p:cNvPr id="1" name=""/>
+        <p:cNvGrpSpPr/>
+        <p:nvPr/>
+      </p:nvGrpSpPr>
+      <p:grpSpPr>
+        <a:xfrm>
+          <a:off x="0" y="0"/>
+          <a:ext cx="0" cy="0"/>
+          <a:chOff x="0" y="0"/>
+          <a:chExt cx="0" cy="0"/>
+        </a:xfrm>
+      </p:grpSpPr>
+      <p:sp>
+        <p:nvSpPr>
+          <p:cNvPr id="2" name="Titel 1"/>
+          <p:cNvSpPr>
+            <a:spLocks noGrp="1"/>
+          </p:cNvSpPr>
+          <p:nvPr>
+            <p:ph type="title"/>
+          </p:nvPr>
+        </p:nvSpPr>
+        <p:spPr/>
+        <p:txBody>
+          <a:bodyPr/>
+          <a:lstStyle/>
+          <a:p>
+            <a:r>
+              <a:rPr lang="de-DE" dirty="0" smtClean="0"/>
+              <a:t>Forscher</a:t>
+            </a:r>
+            <a:endParaRPr lang="de-DE" dirty="0"/>
+          </a:p>
+        </p:txBody>
+      </p:sp>
+      <p:sp>
+        <p:nvSpPr>
+          <p:cNvPr id="3" name="Inhaltsplatzhalter 2"/>
+          <p:cNvSpPr>
+            <a:spLocks noGrp="1"/>
+          </p:cNvSpPr>
+          <p:nvPr>
+            <p:ph idx="1"/>
+          </p:nvPr>
+        </p:nvSpPr>
+        <p:spPr>
+          <a:xfrm>
+            <a:off x="686120" y="4529026"/>
+            <a:ext cx="8000679" cy="1982242"/>
+          </a:xfrm>
+        </p:spPr>
+        <p:txBody>
+          <a:bodyPr>
+            <a:normAutofit fontScale="77500" lnSpcReduction="20000"/>
+          </a:bodyPr>
+          <a:lstStyle/>
+          <a:p>
+            <a:r>
+              <a:rPr lang="de-DE" dirty="0" smtClean="0"/>
+              <a:t>Immer für alle </a:t>
+            </a:r>
+            <a:r>
+              <a:rPr lang="de-DE" dirty="0" smtClean="0"/>
+              <a:t>Benutzer</a:t>
+            </a:r>
+          </a:p>
+          <a:p>
+            <a:r>
+              <a:rPr lang="de-DE" dirty="0" err="1" smtClean="0"/>
+              <a:t>Anzahl_Freundschaftsbeziehung</a:t>
+            </a:r>
+            <a:endParaRPr lang="de-DE" dirty="0" smtClean="0"/>
+          </a:p>
+          <a:p>
+            <a:r>
+              <a:rPr lang="de-DE" dirty="0" err="1"/>
+              <a:t>Anzahl_Freunde_Durchschnitt</a:t>
+            </a:r>
+            <a:endParaRPr lang="de-DE" dirty="0"/>
+          </a:p>
+          <a:p>
+            <a:r>
+              <a:rPr lang="de-DE" dirty="0" err="1"/>
+              <a:t>Anzahl_Freunde_pro_Zeitspanne</a:t>
+            </a:r>
+            <a:r>
+              <a:rPr lang="de-DE" dirty="0"/>
+              <a:t> sind wie viel Freundschaftsbeziehung pro </a:t>
+            </a:r>
+            <a:r>
+              <a:rPr lang="de-DE" dirty="0" smtClean="0"/>
+              <a:t>Tag</a:t>
+            </a:r>
+            <a:endParaRPr lang="de-DE" dirty="0" smtClean="0"/>
+          </a:p>
+        </p:txBody>
+      </p:sp>
+      <p:pic>
+        <p:nvPicPr>
+          <p:cNvPr id="4" name="Bild 3" descr="Forscher.jpg"/>
+          <p:cNvPicPr>
+            <a:picLocks noChangeAspect="1"/>
+          </p:cNvPicPr>
+          <p:nvPr/>
+        </p:nvPicPr>
+        <p:blipFill>
+          <a:blip r:embed="rId2">
+            <a:extLst>
+              <a:ext uri="{28A0092B-C50C-407E-A947-70E740481C1C}">
+                <a14:useLocalDpi xmlns:a14="http://schemas.microsoft.com/office/drawing/2010/main" val="0"/>
+              </a:ext>
+            </a:extLst>
+          </a:blip>
+          <a:stretch>
+            <a:fillRect/>
+          </a:stretch>
+        </p:blipFill>
+        <p:spPr>
+          <a:xfrm>
+            <a:off x="686120" y="1074627"/>
+            <a:ext cx="5410200" cy="3454400"/>
+          </a:xfrm>
+          <a:prstGeom prst="rect">
+            <a:avLst/>
+          </a:prstGeom>
+        </p:spPr>
+      </p:pic>
+    </p:spTree>
+    <p:extLst>
+      <p:ext uri="{BB962C8B-B14F-4D97-AF65-F5344CB8AC3E}">
+        <p14:creationId xmlns:p14="http://schemas.microsoft.com/office/powerpoint/2010/main" val="2234414159"/>
       </p:ext>
     </p:extLst>
   </p:cSld>
